--- a/presentation/presentation.pptx
+++ b/presentation/presentation.pptx
@@ -1125,8 +1125,152 @@
           <a:bodyPr rtlCol="0"/>
           <a:lstStyle/>
           <a:p>
-            <a:pPr rtl="0"/>
-            <a:endParaRPr lang="de-DE" dirty="0"/>
+            <a:pPr marL="0" marR="0" lvl="0" indent="0" algn="l" defTabSz="914400" rtl="0" eaLnBrk="1" fontAlgn="auto" latinLnBrk="0" hangingPunct="1">
+              <a:lnSpc>
+                <a:spcPct val="100000"/>
+              </a:lnSpc>
+              <a:spcBef>
+                <a:spcPts val="0"/>
+              </a:spcBef>
+              <a:spcAft>
+                <a:spcPts val="0"/>
+              </a:spcAft>
+              <a:buClrTx/>
+              <a:buSzTx/>
+              <a:buFontTx/>
+              <a:buNone/>
+              <a:tabLst/>
+              <a:defRPr/>
+            </a:pPr>
+            <a:r>
+              <a:rPr lang="en-US" sz="1200" dirty="0">
+                <a:solidFill>
+                  <a:schemeClr val="tx1">
+                    <a:lumMod val="75000"/>
+                    <a:lumOff val="25000"/>
+                  </a:schemeClr>
+                </a:solidFill>
+                <a:cs typeface="Segoe UI" panose="020B0502040204020203" pitchFamily="34" charset="0"/>
+              </a:rPr>
+              <a:t>MPTCP: Usage of all available network interfaces</a:t>
+            </a:r>
+          </a:p>
+          <a:p>
+            <a:pPr marL="0" marR="0" lvl="0" indent="0" algn="l" defTabSz="914400" rtl="0" eaLnBrk="1" fontAlgn="auto" latinLnBrk="0" hangingPunct="1">
+              <a:lnSpc>
+                <a:spcPct val="100000"/>
+              </a:lnSpc>
+              <a:spcBef>
+                <a:spcPts val="0"/>
+              </a:spcBef>
+              <a:spcAft>
+                <a:spcPts val="0"/>
+              </a:spcAft>
+              <a:buClrTx/>
+              <a:buSzTx/>
+              <a:buFontTx/>
+              <a:buNone/>
+              <a:tabLst/>
+              <a:defRPr/>
+            </a:pPr>
+            <a:endParaRPr lang="en-US" sz="1200" dirty="0">
+              <a:solidFill>
+                <a:schemeClr val="tx1">
+                  <a:lumMod val="75000"/>
+                  <a:lumOff val="25000"/>
+                </a:schemeClr>
+              </a:solidFill>
+              <a:cs typeface="Segoe UI" panose="020B0502040204020203" pitchFamily="34" charset="0"/>
+            </a:endParaRPr>
+          </a:p>
+          <a:p>
+            <a:pPr marL="0" marR="0" lvl="0" indent="0" algn="l" defTabSz="914400" rtl="0" eaLnBrk="1" fontAlgn="auto" latinLnBrk="0" hangingPunct="1">
+              <a:lnSpc>
+                <a:spcPct val="100000"/>
+              </a:lnSpc>
+              <a:spcBef>
+                <a:spcPts val="0"/>
+              </a:spcBef>
+              <a:spcAft>
+                <a:spcPts val="0"/>
+              </a:spcAft>
+              <a:buClrTx/>
+              <a:buSzTx/>
+              <a:buFontTx/>
+              <a:buNone/>
+              <a:tabLst/>
+              <a:defRPr/>
+            </a:pPr>
+            <a:r>
+              <a:rPr lang="en-US" sz="1200" dirty="0">
+                <a:solidFill>
+                  <a:schemeClr val="tx1">
+                    <a:lumMod val="75000"/>
+                    <a:lumOff val="25000"/>
+                  </a:schemeClr>
+                </a:solidFill>
+                <a:cs typeface="Segoe UI" panose="020B0502040204020203" pitchFamily="34" charset="0"/>
+              </a:rPr>
+              <a:t>SCION: Successor of today</a:t>
+            </a:r>
+            <a:r>
+              <a:rPr lang="da-DK" sz="1200" dirty="0">
+                <a:solidFill>
+                  <a:schemeClr val="tx1">
+                    <a:lumMod val="75000"/>
+                    <a:lumOff val="25000"/>
+                  </a:schemeClr>
+                </a:solidFill>
+                <a:cs typeface="Segoe UI" panose="020B0502040204020203" pitchFamily="34" charset="0"/>
+              </a:rPr>
+              <a:t>’s Internet (</a:t>
+            </a:r>
+            <a:r>
+              <a:rPr lang="en-US" sz="1200" dirty="0">
+                <a:solidFill>
+                  <a:schemeClr val="tx1">
+                    <a:lumMod val="75000"/>
+                    <a:lumOff val="25000"/>
+                  </a:schemeClr>
+                </a:solidFill>
+                <a:cs typeface="Segoe UI" panose="020B0502040204020203" pitchFamily="34" charset="0"/>
+              </a:rPr>
+              <a:t>hopefully</a:t>
+            </a:r>
+            <a:r>
+              <a:rPr lang="da-DK" sz="1200" dirty="0">
+                <a:solidFill>
+                  <a:schemeClr val="tx1">
+                    <a:lumMod val="75000"/>
+                    <a:lumOff val="25000"/>
+                  </a:schemeClr>
+                </a:solidFill>
+                <a:cs typeface="Segoe UI" panose="020B0502040204020203" pitchFamily="34" charset="0"/>
+              </a:rPr>
+              <a:t> </a:t>
+            </a:r>
+            <a:r>
+              <a:rPr lang="da-DK" sz="1200" dirty="0">
+                <a:solidFill>
+                  <a:schemeClr val="tx1">
+                    <a:lumMod val="75000"/>
+                    <a:lumOff val="25000"/>
+                  </a:schemeClr>
+                </a:solidFill>
+                <a:cs typeface="Segoe UI" panose="020B0502040204020203" pitchFamily="34" charset="0"/>
+                <a:sym typeface="Wingdings" panose="05000000000000000000" pitchFamily="2" charset="2"/>
+              </a:rPr>
+              <a:t>)</a:t>
+            </a:r>
+            <a:endParaRPr lang="da-DK" sz="1200" dirty="0">
+              <a:solidFill>
+                <a:schemeClr val="tx1">
+                  <a:lumMod val="75000"/>
+                  <a:lumOff val="25000"/>
+                </a:schemeClr>
+              </a:solidFill>
+              <a:cs typeface="Segoe UI" panose="020B0502040204020203" pitchFamily="34" charset="0"/>
+            </a:endParaRPr>
           </a:p>
         </p:txBody>
       </p:sp>
@@ -1212,6 +1356,74 @@
           <a:lstStyle/>
           <a:p>
             <a:pPr rtl="0"/>
+            <a:r>
+              <a:rPr lang="de-DE" dirty="0" err="1"/>
+              <a:t>We</a:t>
+            </a:r>
+            <a:r>
+              <a:rPr lang="de-DE" dirty="0"/>
+              <a:t> </a:t>
+            </a:r>
+            <a:r>
+              <a:rPr lang="de-DE" dirty="0" err="1"/>
+              <a:t>name</a:t>
+            </a:r>
+            <a:r>
+              <a:rPr lang="de-DE" dirty="0"/>
+              <a:t> </a:t>
+            </a:r>
+            <a:r>
+              <a:rPr lang="de-DE" dirty="0" err="1"/>
+              <a:t>our</a:t>
+            </a:r>
+            <a:r>
+              <a:rPr lang="de-DE" dirty="0"/>
+              <a:t> </a:t>
+            </a:r>
+            <a:r>
+              <a:rPr lang="de-DE" dirty="0" err="1"/>
+              <a:t>implementation</a:t>
+            </a:r>
+            <a:r>
+              <a:rPr lang="de-DE" dirty="0"/>
+              <a:t> </a:t>
+            </a:r>
+            <a:r>
+              <a:rPr lang="de-DE" dirty="0" err="1"/>
+              <a:t>of</a:t>
+            </a:r>
+            <a:r>
+              <a:rPr lang="de-DE" dirty="0"/>
+              <a:t> </a:t>
+            </a:r>
+            <a:r>
+              <a:rPr lang="de-DE" dirty="0" err="1"/>
+              <a:t>the</a:t>
+            </a:r>
+            <a:r>
+              <a:rPr lang="de-DE" dirty="0"/>
+              <a:t> </a:t>
+            </a:r>
+            <a:r>
+              <a:rPr lang="de-DE" dirty="0" err="1"/>
+              <a:t>shim</a:t>
+            </a:r>
+            <a:r>
+              <a:rPr lang="de-DE" dirty="0"/>
+              <a:t> </a:t>
+            </a:r>
+            <a:r>
+              <a:rPr lang="de-DE" dirty="0" err="1"/>
+              <a:t>layer</a:t>
+            </a:r>
+            <a:r>
+              <a:rPr lang="de-DE" dirty="0"/>
+              <a:t> </a:t>
+            </a:r>
+            <a:r>
+              <a:rPr lang="de-DE"/>
+              <a:t>„Shila“</a:t>
+            </a:r>
             <a:endParaRPr lang="de-DE" dirty="0"/>
           </a:p>
         </p:txBody>
@@ -1297,8 +1509,388 @@
           <a:bodyPr rtlCol="0"/>
           <a:lstStyle/>
           <a:p>
-            <a:pPr rtl="0"/>
+            <a:pPr marL="228600" indent="-228600" rtl="0">
+              <a:buAutoNum type="arabicPeriod"/>
+            </a:pPr>
+            <a:r>
+              <a:rPr lang="de-DE" dirty="0"/>
+              <a:t>Easy </a:t>
+            </a:r>
+            <a:r>
+              <a:rPr lang="de-DE" dirty="0" err="1"/>
+              <a:t>to</a:t>
+            </a:r>
+            <a:r>
+              <a:rPr lang="de-DE" dirty="0"/>
+              <a:t> </a:t>
+            </a:r>
+            <a:r>
+              <a:rPr lang="de-DE" dirty="0" err="1"/>
+              <a:t>use</a:t>
+            </a:r>
+            <a:r>
+              <a:rPr lang="de-DE" dirty="0"/>
+              <a:t>, </a:t>
+            </a:r>
+            <a:r>
+              <a:rPr lang="de-DE" dirty="0" err="1"/>
+              <a:t>no</a:t>
+            </a:r>
+            <a:r>
+              <a:rPr lang="de-DE" dirty="0"/>
+              <a:t> </a:t>
+            </a:r>
+            <a:r>
+              <a:rPr lang="de-DE" dirty="0" err="1"/>
+              <a:t>changes</a:t>
+            </a:r>
+            <a:r>
+              <a:rPr lang="de-DE" dirty="0"/>
+              <a:t> </a:t>
+            </a:r>
+            <a:r>
+              <a:rPr lang="de-DE" dirty="0" err="1"/>
+              <a:t>necessary</a:t>
+            </a:r>
+            <a:r>
+              <a:rPr lang="de-DE" dirty="0"/>
+              <a:t>, user </a:t>
+            </a:r>
+            <a:r>
+              <a:rPr lang="de-DE" dirty="0" err="1"/>
+              <a:t>can</a:t>
+            </a:r>
+            <a:r>
+              <a:rPr lang="de-DE" dirty="0"/>
+              <a:t> </a:t>
+            </a:r>
+            <a:r>
+              <a:rPr lang="de-DE" dirty="0" err="1"/>
+              <a:t>use</a:t>
+            </a:r>
+            <a:r>
+              <a:rPr lang="de-DE" dirty="0"/>
+              <a:t> </a:t>
+            </a:r>
+            <a:r>
+              <a:rPr lang="de-DE" dirty="0" err="1"/>
+              <a:t>his</a:t>
+            </a:r>
+            <a:r>
+              <a:rPr lang="de-DE" dirty="0"/>
+              <a:t> </a:t>
+            </a:r>
+            <a:r>
+              <a:rPr lang="de-DE" dirty="0" err="1"/>
+              <a:t>favorite</a:t>
+            </a:r>
+            <a:r>
+              <a:rPr lang="de-DE" dirty="0"/>
+              <a:t> TCP </a:t>
+            </a:r>
+            <a:r>
+              <a:rPr lang="de-DE" dirty="0" err="1"/>
+              <a:t>application</a:t>
+            </a:r>
+            <a:r>
+              <a:rPr lang="de-DE" dirty="0"/>
+              <a:t> </a:t>
+            </a:r>
+            <a:r>
+              <a:rPr lang="de-DE" dirty="0" err="1"/>
+              <a:t>without</a:t>
+            </a:r>
+            <a:r>
+              <a:rPr lang="de-DE" dirty="0"/>
+              <a:t> </a:t>
+            </a:r>
+            <a:r>
+              <a:rPr lang="de-DE" dirty="0" err="1"/>
+              <a:t>having</a:t>
+            </a:r>
+            <a:r>
+              <a:rPr lang="de-DE" dirty="0"/>
+              <a:t> </a:t>
+            </a:r>
+            <a:r>
+              <a:rPr lang="de-DE" dirty="0" err="1"/>
+              <a:t>to</a:t>
+            </a:r>
+            <a:r>
+              <a:rPr lang="de-DE" dirty="0"/>
+              <a:t> </a:t>
+            </a:r>
+            <a:r>
+              <a:rPr lang="de-DE" dirty="0" err="1"/>
+              <a:t>change</a:t>
+            </a:r>
+            <a:r>
+              <a:rPr lang="de-DE" dirty="0"/>
+              <a:t> </a:t>
+            </a:r>
+            <a:r>
+              <a:rPr lang="de-DE" dirty="0" err="1"/>
+              <a:t>alot</a:t>
+            </a:r>
             <a:endParaRPr lang="de-DE" dirty="0"/>
+          </a:p>
+          <a:p>
+            <a:pPr marL="0" indent="0" rtl="0">
+              <a:buNone/>
+            </a:pPr>
+            <a:endParaRPr lang="de-DE" dirty="0"/>
+          </a:p>
+          <a:p>
+            <a:pPr marL="228600" indent="-228600" rtl="0">
+              <a:buAutoNum type="arabicPeriod" startAt="2"/>
+            </a:pPr>
+            <a:r>
+              <a:rPr lang="de-DE" dirty="0"/>
+              <a:t>Connection </a:t>
+            </a:r>
+            <a:r>
+              <a:rPr lang="de-DE" dirty="0" err="1"/>
+              <a:t>with</a:t>
+            </a:r>
+            <a:r>
+              <a:rPr lang="de-DE" dirty="0"/>
+              <a:t> MPTCP </a:t>
+            </a:r>
+            <a:r>
+              <a:rPr lang="de-DE" dirty="0" err="1"/>
+              <a:t>over</a:t>
+            </a:r>
+            <a:r>
+              <a:rPr lang="de-DE" dirty="0"/>
+              <a:t> SCION </a:t>
+            </a:r>
+            <a:r>
+              <a:rPr lang="de-DE" dirty="0" err="1"/>
+              <a:t>benefits</a:t>
+            </a:r>
+            <a:r>
+              <a:rPr lang="de-DE" dirty="0"/>
+              <a:t> </a:t>
+            </a:r>
+            <a:r>
+              <a:rPr lang="de-DE" dirty="0" err="1"/>
+              <a:t>from</a:t>
+            </a:r>
+            <a:r>
+              <a:rPr lang="de-DE" dirty="0"/>
+              <a:t> multiple </a:t>
+            </a:r>
+            <a:r>
+              <a:rPr lang="de-DE" dirty="0" err="1"/>
+              <a:t>paths</a:t>
+            </a:r>
+            <a:r>
+              <a:rPr lang="de-DE" dirty="0"/>
+              <a:t> (</a:t>
+            </a:r>
+            <a:r>
+              <a:rPr lang="de-DE" dirty="0" err="1"/>
+              <a:t>redundancy</a:t>
+            </a:r>
+            <a:r>
+              <a:rPr lang="de-DE" dirty="0"/>
+              <a:t>) </a:t>
+            </a:r>
+            <a:r>
+              <a:rPr lang="de-DE" dirty="0" err="1"/>
+              <a:t>even</a:t>
+            </a:r>
+            <a:r>
+              <a:rPr lang="de-DE" dirty="0"/>
+              <a:t> </a:t>
+            </a:r>
+            <a:r>
+              <a:rPr lang="de-DE" dirty="0" err="1"/>
+              <a:t>if</a:t>
+            </a:r>
+            <a:r>
+              <a:rPr lang="de-DE" dirty="0"/>
+              <a:t> </a:t>
+            </a:r>
+            <a:r>
+              <a:rPr lang="de-DE" dirty="0" err="1"/>
+              <a:t>there</a:t>
+            </a:r>
+            <a:r>
+              <a:rPr lang="de-DE" dirty="0"/>
+              <a:t> is just </a:t>
+            </a:r>
+            <a:r>
+              <a:rPr lang="de-DE" dirty="0" err="1"/>
+              <a:t>one</a:t>
+            </a:r>
+            <a:r>
+              <a:rPr lang="de-DE" dirty="0"/>
+              <a:t> real interface </a:t>
+            </a:r>
+            <a:r>
+              <a:rPr lang="de-DE" dirty="0" err="1"/>
+              <a:t>available</a:t>
+            </a:r>
+            <a:r>
+              <a:rPr lang="de-DE" dirty="0"/>
+              <a:t> (at least </a:t>
+            </a:r>
+            <a:r>
+              <a:rPr lang="de-DE" dirty="0" err="1"/>
+              <a:t>from</a:t>
+            </a:r>
+            <a:r>
+              <a:rPr lang="de-DE" dirty="0"/>
+              <a:t> </a:t>
+            </a:r>
+            <a:r>
+              <a:rPr lang="de-DE" dirty="0" err="1"/>
+              <a:t>path</a:t>
+            </a:r>
+            <a:r>
+              <a:rPr lang="de-DE" dirty="0"/>
+              <a:t> </a:t>
+            </a:r>
+            <a:r>
+              <a:rPr lang="de-DE" dirty="0" err="1"/>
+              <a:t>redundance</a:t>
+            </a:r>
+            <a:r>
+              <a:rPr lang="de-DE" dirty="0"/>
+              <a:t>, not </a:t>
+            </a:r>
+            <a:r>
+              <a:rPr lang="de-DE" dirty="0" err="1"/>
+              <a:t>from</a:t>
+            </a:r>
+            <a:r>
+              <a:rPr lang="de-DE" dirty="0"/>
+              <a:t> </a:t>
+            </a:r>
+            <a:r>
+              <a:rPr lang="de-DE" dirty="0" err="1"/>
+              <a:t>connection</a:t>
+            </a:r>
+            <a:r>
+              <a:rPr lang="de-DE" dirty="0"/>
+              <a:t> </a:t>
+            </a:r>
+            <a:r>
+              <a:rPr lang="de-DE" dirty="0" err="1"/>
+              <a:t>redudancy</a:t>
+            </a:r>
+            <a:r>
+              <a:rPr lang="de-DE" dirty="0"/>
+              <a:t>)</a:t>
+            </a:r>
+          </a:p>
+          <a:p>
+            <a:pPr marL="228600" indent="-228600" rtl="0">
+              <a:buAutoNum type="arabicPeriod" startAt="2"/>
+            </a:pPr>
+            <a:endParaRPr lang="de-DE" dirty="0"/>
+          </a:p>
+          <a:p>
+            <a:pPr marL="228600" indent="-228600" rtl="0">
+              <a:buAutoNum type="arabicPeriod" startAt="2"/>
+            </a:pPr>
+            <a:r>
+              <a:rPr lang="de-DE" dirty="0" err="1"/>
+              <a:t>Could</a:t>
+            </a:r>
+            <a:r>
+              <a:rPr lang="de-DE" dirty="0"/>
+              <a:t> </a:t>
+            </a:r>
+            <a:r>
+              <a:rPr lang="de-DE" dirty="0" err="1"/>
+              <a:t>for</a:t>
+            </a:r>
+            <a:r>
+              <a:rPr lang="de-DE" dirty="0"/>
+              <a:t> </a:t>
+            </a:r>
+            <a:r>
+              <a:rPr lang="de-DE" dirty="0" err="1"/>
+              <a:t>example</a:t>
+            </a:r>
+            <a:r>
+              <a:rPr lang="de-DE" dirty="0"/>
+              <a:t> </a:t>
+            </a:r>
+            <a:r>
+              <a:rPr lang="de-DE" dirty="0" err="1"/>
+              <a:t>be</a:t>
+            </a:r>
+            <a:r>
+              <a:rPr lang="de-DE" dirty="0"/>
+              <a:t> </a:t>
+            </a:r>
+            <a:r>
+              <a:rPr lang="de-DE" dirty="0" err="1"/>
+              <a:t>used</a:t>
+            </a:r>
+            <a:r>
+              <a:rPr lang="de-DE" dirty="0"/>
+              <a:t> </a:t>
+            </a:r>
+            <a:r>
+              <a:rPr lang="de-DE" dirty="0" err="1"/>
+              <a:t>to</a:t>
+            </a:r>
+            <a:r>
+              <a:rPr lang="de-DE" dirty="0"/>
+              <a:t> </a:t>
+            </a:r>
+            <a:r>
+              <a:rPr lang="de-DE" dirty="0" err="1"/>
+              <a:t>use</a:t>
+            </a:r>
+            <a:r>
+              <a:rPr lang="de-DE" dirty="0"/>
+              <a:t> </a:t>
+            </a:r>
+            <a:r>
+              <a:rPr lang="de-DE" dirty="0" err="1"/>
+              <a:t>less</a:t>
+            </a:r>
+            <a:r>
+              <a:rPr lang="de-DE" dirty="0"/>
+              <a:t> </a:t>
+            </a:r>
+            <a:r>
+              <a:rPr lang="de-DE" dirty="0" err="1"/>
+              <a:t>consevative</a:t>
+            </a:r>
+            <a:r>
+              <a:rPr lang="de-DE" dirty="0"/>
+              <a:t> </a:t>
+            </a:r>
+            <a:r>
+              <a:rPr lang="de-DE" dirty="0" err="1"/>
+              <a:t>congestion</a:t>
+            </a:r>
+            <a:r>
+              <a:rPr lang="de-DE" dirty="0"/>
+              <a:t> </a:t>
+            </a:r>
+            <a:r>
+              <a:rPr lang="de-DE" dirty="0" err="1"/>
+              <a:t>contol</a:t>
+            </a:r>
+            <a:r>
+              <a:rPr lang="de-DE" dirty="0"/>
+              <a:t>, w.r.t </a:t>
+            </a:r>
+            <a:r>
+              <a:rPr lang="de-DE" dirty="0" err="1"/>
+              <a:t>fairness</a:t>
+            </a:r>
+            <a:r>
+              <a:rPr lang="de-DE" dirty="0"/>
+              <a:t> </a:t>
+            </a:r>
           </a:p>
         </p:txBody>
       </p:sp>
@@ -6060,6 +6652,15 @@
               </a:rPr>
               <a:t>Introduction to the work</a:t>
             </a:r>
+            <a:endParaRPr lang="en-US" dirty="0">
+              <a:solidFill>
+                <a:schemeClr val="tx1">
+                  <a:lumMod val="75000"/>
+                  <a:lumOff val="25000"/>
+                </a:schemeClr>
+              </a:solidFill>
+              <a:cs typeface="Segoe UI" panose="020B0502040204020203" pitchFamily="34" charset="0"/>
+            </a:endParaRPr>
           </a:p>
           <a:p>
             <a:pPr marL="0" indent="0" rtl="0">
@@ -8127,23 +8728,31 @@
             </a:lvl1pPr>
           </a:lstStyle>
           <a:p>
-            <a:pPr algn="ctr" rtl="0"/>
+            <a:pPr algn="ctr"/>
             <a:r>
-              <a:rPr lang="en-US" sz="3200" b="1" dirty="0">
+              <a:rPr lang="en-US" sz="2200" dirty="0">
                 <a:solidFill>
-                  <a:schemeClr val="tx1">
-                    <a:lumMod val="75000"/>
-                    <a:lumOff val="25000"/>
+                  <a:schemeClr val="tx2">
+                    <a:lumMod val="60000"/>
+                    <a:lumOff val="40000"/>
                   </a:schemeClr>
                 </a:solidFill>
               </a:rPr>
               <a:t>Introduction</a:t>
             </a:r>
+            <a:endParaRPr lang="en-US" sz="2200" b="1" dirty="0">
+              <a:solidFill>
+                <a:schemeClr val="tx1">
+                  <a:lumMod val="75000"/>
+                  <a:lumOff val="25000"/>
+                </a:schemeClr>
+              </a:solidFill>
+            </a:endParaRPr>
           </a:p>
           <a:p>
             <a:pPr algn="ctr" rtl="0"/>
             <a:r>
-              <a:rPr lang="en-US" sz="2200" dirty="0">
+              <a:rPr lang="en-US" sz="3200" b="1" dirty="0">
                 <a:solidFill>
                   <a:schemeClr val="tx1">
                     <a:lumMod val="75000"/>
@@ -8207,10 +8816,10 @@
       </p:cxnSp>
       <p:grpSp>
         <p:nvGrpSpPr>
-          <p:cNvPr id="12" name="Gruppieren 11">
+          <p:cNvPr id="15" name="Gruppieren 14">
             <a:extLst>
               <a:ext uri="{FF2B5EF4-FFF2-40B4-BE49-F238E27FC236}">
-                <a16:creationId xmlns:a16="http://schemas.microsoft.com/office/drawing/2014/main" id="{4C3EAE2D-A758-469F-B728-F8AB5407CF8A}"/>
+                <a16:creationId xmlns:a16="http://schemas.microsoft.com/office/drawing/2014/main" id="{9C34A747-4907-4C2B-9B65-BFDBDA4FDCAD}"/>
               </a:ext>
             </a:extLst>
           </p:cNvPr>
@@ -8219,18 +8828,331 @@
         </p:nvGrpSpPr>
         <p:grpSpPr>
           <a:xfrm>
-            <a:off x="881270" y="1691810"/>
-            <a:ext cx="4959090" cy="2726595"/>
-            <a:chOff x="881271" y="1502624"/>
-            <a:chExt cx="4959090" cy="2726595"/>
+            <a:off x="881270" y="1461900"/>
+            <a:ext cx="7224505" cy="4550037"/>
+            <a:chOff x="881270" y="1691810"/>
+            <a:chExt cx="7224505" cy="4550037"/>
           </a:xfrm>
         </p:grpSpPr>
+        <p:grpSp>
+          <p:nvGrpSpPr>
+            <p:cNvPr id="12" name="Gruppieren 11">
+              <a:extLst>
+                <a:ext uri="{FF2B5EF4-FFF2-40B4-BE49-F238E27FC236}">
+                  <a16:creationId xmlns:a16="http://schemas.microsoft.com/office/drawing/2014/main" id="{4C3EAE2D-A758-469F-B728-F8AB5407CF8A}"/>
+                </a:ext>
+              </a:extLst>
+            </p:cNvPr>
+            <p:cNvGrpSpPr/>
+            <p:nvPr/>
+          </p:nvGrpSpPr>
+          <p:grpSpPr>
+            <a:xfrm>
+              <a:off x="881270" y="1691810"/>
+              <a:ext cx="4959090" cy="2080264"/>
+              <a:chOff x="881271" y="1502624"/>
+              <a:chExt cx="4959090" cy="2080264"/>
+            </a:xfrm>
+          </p:grpSpPr>
+          <p:sp>
+            <p:nvSpPr>
+              <p:cNvPr id="5" name="Rechteck 4">
+                <a:extLst>
+                  <a:ext uri="{FF2B5EF4-FFF2-40B4-BE49-F238E27FC236}">
+                    <a16:creationId xmlns:a16="http://schemas.microsoft.com/office/drawing/2014/main" id="{7E55D39D-7FC0-4199-B519-F59A7237EB4F}"/>
+                  </a:ext>
+                </a:extLst>
+              </p:cNvPr>
+              <p:cNvSpPr/>
+              <p:nvPr/>
+            </p:nvSpPr>
+            <p:spPr>
+              <a:xfrm>
+                <a:off x="881271" y="1502624"/>
+                <a:ext cx="4959090" cy="954107"/>
+              </a:xfrm>
+              <a:prstGeom prst="rect">
+                <a:avLst/>
+              </a:prstGeom>
+            </p:spPr>
+            <p:txBody>
+              <a:bodyPr wrap="square" lIns="0" tIns="0" rIns="0" bIns="0" rtlCol="0" anchor="t">
+                <a:spAutoFit/>
+              </a:bodyPr>
+              <a:lstStyle/>
+              <a:p>
+                <a:pPr rtl="0">
+                  <a:spcBef>
+                    <a:spcPts val="600"/>
+                  </a:spcBef>
+                  <a:buClr>
+                    <a:schemeClr val="tx2"/>
+                  </a:buClr>
+                </a:pPr>
+                <a:r>
+                  <a:rPr lang="en-US" sz="2000" b="1" dirty="0">
+                    <a:solidFill>
+                      <a:schemeClr val="tx1">
+                        <a:lumMod val="75000"/>
+                        <a:lumOff val="25000"/>
+                      </a:schemeClr>
+                    </a:solidFill>
+                    <a:cs typeface="Segoe UI" panose="020B0502040204020203" pitchFamily="34" charset="0"/>
+                  </a:rPr>
+                  <a:t>TCP </a:t>
+                </a:r>
+                <a:r>
+                  <a:rPr lang="en-US" dirty="0">
+                    <a:solidFill>
+                      <a:schemeClr val="tx1">
+                        <a:lumMod val="75000"/>
+                        <a:lumOff val="25000"/>
+                      </a:schemeClr>
+                    </a:solidFill>
+                    <a:cs typeface="Segoe UI" panose="020B0502040204020203" pitchFamily="34" charset="0"/>
+                  </a:rPr>
+                  <a:t>(Transmission Control Protocol)</a:t>
+                </a:r>
+              </a:p>
+              <a:p>
+                <a:pPr marL="171450" indent="-171450" rtl="0">
+                  <a:spcBef>
+                    <a:spcPts val="600"/>
+                  </a:spcBef>
+                  <a:buClr>
+                    <a:schemeClr val="tx2"/>
+                  </a:buClr>
+                  <a:buFont typeface="Segoe UI Light" panose="020B0502040204020203" pitchFamily="34" charset="0"/>
+                  <a:buChar char="›"/>
+                </a:pPr>
+                <a:r>
+                  <a:rPr lang="de-CH" sz="1600" dirty="0">
+                    <a:solidFill>
+                      <a:schemeClr val="tx1">
+                        <a:lumMod val="75000"/>
+                        <a:lumOff val="25000"/>
+                      </a:schemeClr>
+                    </a:solidFill>
+                    <a:cs typeface="Segoe UI" panose="020B0502040204020203" pitchFamily="34" charset="0"/>
+                  </a:rPr>
+                  <a:t>Dominant </a:t>
+                </a:r>
+                <a:r>
+                  <a:rPr lang="en-US" sz="1600" dirty="0">
+                    <a:solidFill>
+                      <a:schemeClr val="tx1">
+                        <a:lumMod val="75000"/>
+                        <a:lumOff val="25000"/>
+                      </a:schemeClr>
+                    </a:solidFill>
+                    <a:cs typeface="Segoe UI" panose="020B0502040204020203" pitchFamily="34" charset="0"/>
+                  </a:rPr>
+                  <a:t>transport</a:t>
+                </a:r>
+                <a:r>
+                  <a:rPr lang="de-CH" sz="1600" dirty="0">
+                    <a:solidFill>
+                      <a:schemeClr val="tx1">
+                        <a:lumMod val="75000"/>
+                        <a:lumOff val="25000"/>
+                      </a:schemeClr>
+                    </a:solidFill>
+                    <a:cs typeface="Segoe UI" panose="020B0502040204020203" pitchFamily="34" charset="0"/>
+                  </a:rPr>
+                  <a:t> </a:t>
+                </a:r>
+                <a:r>
+                  <a:rPr lang="en-US" sz="1600" dirty="0">
+                    <a:solidFill>
+                      <a:schemeClr val="tx1">
+                        <a:lumMod val="75000"/>
+                        <a:lumOff val="25000"/>
+                      </a:schemeClr>
+                    </a:solidFill>
+                    <a:cs typeface="Segoe UI" panose="020B0502040204020203" pitchFamily="34" charset="0"/>
+                  </a:rPr>
+                  <a:t>protocol</a:t>
+                </a:r>
+                <a:r>
+                  <a:rPr lang="de-CH" sz="1600" dirty="0">
+                    <a:solidFill>
+                      <a:schemeClr val="tx1">
+                        <a:lumMod val="75000"/>
+                        <a:lumOff val="25000"/>
+                      </a:schemeClr>
+                    </a:solidFill>
+                    <a:cs typeface="Segoe UI" panose="020B0502040204020203" pitchFamily="34" charset="0"/>
+                  </a:rPr>
+                  <a:t> in </a:t>
+                </a:r>
+                <a:r>
+                  <a:rPr lang="en-US" sz="1600" dirty="0">
+                    <a:solidFill>
+                      <a:schemeClr val="tx1">
+                        <a:lumMod val="75000"/>
+                        <a:lumOff val="25000"/>
+                      </a:schemeClr>
+                    </a:solidFill>
+                    <a:cs typeface="Segoe UI" panose="020B0502040204020203" pitchFamily="34" charset="0"/>
+                  </a:rPr>
+                  <a:t>today</a:t>
+                </a:r>
+                <a:r>
+                  <a:rPr lang="da-DK" sz="1600" dirty="0">
+                    <a:solidFill>
+                      <a:schemeClr val="tx1">
+                        <a:lumMod val="75000"/>
+                        <a:lumOff val="25000"/>
+                      </a:schemeClr>
+                    </a:solidFill>
+                    <a:cs typeface="Segoe UI" panose="020B0502040204020203" pitchFamily="34" charset="0"/>
+                  </a:rPr>
+                  <a:t>’s Internet</a:t>
+                </a:r>
+              </a:p>
+              <a:p>
+                <a:pPr marL="171450" indent="-171450" rtl="0">
+                  <a:spcBef>
+                    <a:spcPts val="600"/>
+                  </a:spcBef>
+                  <a:buClr>
+                    <a:schemeClr val="tx2"/>
+                  </a:buClr>
+                  <a:buFont typeface="Segoe UI Light" panose="020B0502040204020203" pitchFamily="34" charset="0"/>
+                  <a:buChar char="›"/>
+                </a:pPr>
+                <a:r>
+                  <a:rPr lang="da-DK" sz="1600" dirty="0">
+                    <a:solidFill>
+                      <a:schemeClr val="tx1">
+                        <a:lumMod val="75000"/>
+                        <a:lumOff val="25000"/>
+                      </a:schemeClr>
+                    </a:solidFill>
+                    <a:cs typeface="Segoe UI" panose="020B0502040204020203" pitchFamily="34" charset="0"/>
+                  </a:rPr>
+                  <a:t>One path per connection</a:t>
+                </a:r>
+              </a:p>
+            </p:txBody>
+          </p:sp>
+          <p:sp>
+            <p:nvSpPr>
+              <p:cNvPr id="7" name="Rechteck 6">
+                <a:extLst>
+                  <a:ext uri="{FF2B5EF4-FFF2-40B4-BE49-F238E27FC236}">
+                    <a16:creationId xmlns:a16="http://schemas.microsoft.com/office/drawing/2014/main" id="{2928435A-71C9-4072-9041-175B98B64988}"/>
+                  </a:ext>
+                </a:extLst>
+              </p:cNvPr>
+              <p:cNvSpPr/>
+              <p:nvPr/>
+            </p:nvSpPr>
+            <p:spPr>
+              <a:xfrm>
+                <a:off x="881271" y="2628781"/>
+                <a:ext cx="4959090" cy="954107"/>
+              </a:xfrm>
+              <a:prstGeom prst="rect">
+                <a:avLst/>
+              </a:prstGeom>
+            </p:spPr>
+            <p:txBody>
+              <a:bodyPr wrap="square" lIns="0" tIns="0" rIns="0" bIns="0" rtlCol="0" anchor="t">
+                <a:spAutoFit/>
+              </a:bodyPr>
+              <a:lstStyle/>
+              <a:p>
+                <a:pPr rtl="0">
+                  <a:spcBef>
+                    <a:spcPts val="600"/>
+                  </a:spcBef>
+                  <a:buClr>
+                    <a:schemeClr val="tx2"/>
+                  </a:buClr>
+                </a:pPr>
+                <a:r>
+                  <a:rPr lang="en-US" sz="2000" b="1" dirty="0">
+                    <a:solidFill>
+                      <a:schemeClr val="tx1">
+                        <a:lumMod val="75000"/>
+                        <a:lumOff val="25000"/>
+                      </a:schemeClr>
+                    </a:solidFill>
+                    <a:cs typeface="Segoe UI" panose="020B0502040204020203" pitchFamily="34" charset="0"/>
+                  </a:rPr>
+                  <a:t>MPTCP </a:t>
+                </a:r>
+                <a:r>
+                  <a:rPr lang="en-US" dirty="0">
+                    <a:solidFill>
+                      <a:schemeClr val="tx1">
+                        <a:lumMod val="75000"/>
+                        <a:lumOff val="25000"/>
+                      </a:schemeClr>
+                    </a:solidFill>
+                    <a:cs typeface="Segoe UI" panose="020B0502040204020203" pitchFamily="34" charset="0"/>
+                  </a:rPr>
+                  <a:t>(Multipath TCP)</a:t>
+                </a:r>
+              </a:p>
+              <a:p>
+                <a:pPr marL="171450" indent="-171450" rtl="0">
+                  <a:spcBef>
+                    <a:spcPts val="600"/>
+                  </a:spcBef>
+                  <a:buClr>
+                    <a:schemeClr val="tx2"/>
+                  </a:buClr>
+                  <a:buFont typeface="Segoe UI Light" panose="020B0502040204020203" pitchFamily="34" charset="0"/>
+                  <a:buChar char="›"/>
+                </a:pPr>
+                <a:r>
+                  <a:rPr lang="en-US" sz="1600" dirty="0">
+                    <a:solidFill>
+                      <a:schemeClr val="tx1">
+                        <a:lumMod val="75000"/>
+                        <a:lumOff val="25000"/>
+                      </a:schemeClr>
+                    </a:solidFill>
+                    <a:cs typeface="Segoe UI" panose="020B0502040204020203" pitchFamily="34" charset="0"/>
+                  </a:rPr>
+                  <a:t>Extension to TCP</a:t>
+                </a:r>
+              </a:p>
+              <a:p>
+                <a:pPr marL="171450" indent="-171450" rtl="0">
+                  <a:spcBef>
+                    <a:spcPts val="600"/>
+                  </a:spcBef>
+                  <a:buClr>
+                    <a:schemeClr val="tx2"/>
+                  </a:buClr>
+                  <a:buFont typeface="Segoe UI Light" panose="020B0502040204020203" pitchFamily="34" charset="0"/>
+                  <a:buChar char="›"/>
+                </a:pPr>
+                <a:r>
+                  <a:rPr lang="en-US" sz="1600" dirty="0">
+                    <a:solidFill>
+                      <a:schemeClr val="tx1">
+                        <a:lumMod val="75000"/>
+                        <a:lumOff val="25000"/>
+                      </a:schemeClr>
+                    </a:solidFill>
+                    <a:cs typeface="Segoe UI" panose="020B0502040204020203" pitchFamily="34" charset="0"/>
+                  </a:rPr>
+                  <a:t>Multiple paths (flows) per connection</a:t>
+                </a:r>
+              </a:p>
+            </p:txBody>
+          </p:sp>
+        </p:grpSp>
         <p:sp>
           <p:nvSpPr>
-            <p:cNvPr id="5" name="Rechteck 4">
+            <p:cNvPr id="9" name="Rechteck 8">
               <a:extLst>
                 <a:ext uri="{FF2B5EF4-FFF2-40B4-BE49-F238E27FC236}">
-                  <a16:creationId xmlns:a16="http://schemas.microsoft.com/office/drawing/2014/main" id="{7E55D39D-7FC0-4199-B519-F59A7237EB4F}"/>
+                  <a16:creationId xmlns:a16="http://schemas.microsoft.com/office/drawing/2014/main" id="{82096EF9-5546-4591-9DA4-22BA0EEFE5C1}"/>
                 </a:ext>
               </a:extLst>
             </p:cNvPr>
@@ -8239,8 +9161,8 @@
           </p:nvSpPr>
           <p:spPr>
             <a:xfrm>
-              <a:off x="881271" y="1502624"/>
-              <a:ext cx="4959090" cy="954107"/>
+              <a:off x="881270" y="4687575"/>
+              <a:ext cx="7224505" cy="1554272"/>
             </a:xfrm>
             <a:prstGeom prst="rect">
               <a:avLst/>
@@ -8254,7 +9176,7 @@
             <a:p>
               <a:pPr rtl="0">
                 <a:spcBef>
-                  <a:spcPts val="600"/>
+                  <a:spcPts val="1200"/>
                 </a:spcBef>
                 <a:buClr>
                   <a:schemeClr val="tx2"/>
@@ -8270,7 +9192,7 @@
                   </a:solidFill>
                   <a:cs typeface="Segoe UI" panose="020B0502040204020203" pitchFamily="34" charset="0"/>
                 </a:rPr>
-                <a:t>TCP </a:t>
+                <a:t>SCION </a:t>
               </a:r>
               <a:r>
                 <a:rPr lang="en-US" dirty="0">
@@ -8282,8 +9204,40 @@
                   </a:solidFill>
                   <a:cs typeface="Segoe UI" panose="020B0502040204020203" pitchFamily="34" charset="0"/>
                 </a:rPr>
-                <a:t>(Transmission Control Protocol)</a:t>
+                <a:t>(Scalability, Control and Isolation on </a:t>
               </a:r>
+              <a:br>
+                <a:rPr lang="en-US" dirty="0">
+                  <a:solidFill>
+                    <a:schemeClr val="tx1">
+                      <a:lumMod val="75000"/>
+                      <a:lumOff val="25000"/>
+                    </a:schemeClr>
+                  </a:solidFill>
+                  <a:cs typeface="Segoe UI" panose="020B0502040204020203" pitchFamily="34" charset="0"/>
+                </a:rPr>
+              </a:br>
+              <a:r>
+                <a:rPr lang="en-US" dirty="0">
+                  <a:solidFill>
+                    <a:schemeClr val="tx1">
+                      <a:lumMod val="75000"/>
+                      <a:lumOff val="25000"/>
+                    </a:schemeClr>
+                  </a:solidFill>
+                  <a:cs typeface="Segoe UI" panose="020B0502040204020203" pitchFamily="34" charset="0"/>
+                </a:rPr>
+                <a:t>next-generation networks)</a:t>
+              </a:r>
+              <a:endParaRPr lang="en-US" sz="2000" dirty="0">
+                <a:solidFill>
+                  <a:schemeClr val="tx1">
+                    <a:lumMod val="75000"/>
+                    <a:lumOff val="25000"/>
+                  </a:schemeClr>
+                </a:solidFill>
+                <a:cs typeface="Segoe UI" panose="020B0502040204020203" pitchFamily="34" charset="0"/>
+              </a:endParaRPr>
             </a:p>
             <a:p>
               <a:pPr marL="171450" indent="-171450" rtl="0">
@@ -8297,18 +9251,6 @@
                 <a:buChar char="›"/>
               </a:pPr>
               <a:r>
-                <a:rPr lang="de-CH" sz="1600" dirty="0">
-                  <a:solidFill>
-                    <a:schemeClr val="tx1">
-                      <a:lumMod val="75000"/>
-                      <a:lumOff val="25000"/>
-                    </a:schemeClr>
-                  </a:solidFill>
-                  <a:cs typeface="Segoe UI" panose="020B0502040204020203" pitchFamily="34" charset="0"/>
-                </a:rPr>
-                <a:t>Dominant </a:t>
-              </a:r>
-              <a:r>
                 <a:rPr lang="en-US" sz="1600" dirty="0">
                   <a:solidFill>
                     <a:schemeClr val="tx1">
@@ -8318,67 +9260,7 @@
                   </a:solidFill>
                   <a:cs typeface="Segoe UI" panose="020B0502040204020203" pitchFamily="34" charset="0"/>
                 </a:rPr>
-                <a:t>transport</a:t>
-              </a:r>
-              <a:r>
-                <a:rPr lang="de-CH" sz="1600" dirty="0">
-                  <a:solidFill>
-                    <a:schemeClr val="tx1">
-                      <a:lumMod val="75000"/>
-                      <a:lumOff val="25000"/>
-                    </a:schemeClr>
-                  </a:solidFill>
-                  <a:cs typeface="Segoe UI" panose="020B0502040204020203" pitchFamily="34" charset="0"/>
-                </a:rPr>
-                <a:t> </a:t>
-              </a:r>
-              <a:r>
-                <a:rPr lang="en-US" sz="1600" dirty="0">
-                  <a:solidFill>
-                    <a:schemeClr val="tx1">
-                      <a:lumMod val="75000"/>
-                      <a:lumOff val="25000"/>
-                    </a:schemeClr>
-                  </a:solidFill>
-                  <a:cs typeface="Segoe UI" panose="020B0502040204020203" pitchFamily="34" charset="0"/>
-                </a:rPr>
-                <a:t>protocol</a:t>
-              </a:r>
-              <a:r>
-                <a:rPr lang="de-CH" sz="1600" dirty="0">
-                  <a:solidFill>
-                    <a:schemeClr val="tx1">
-                      <a:lumMod val="75000"/>
-                      <a:lumOff val="25000"/>
-                    </a:schemeClr>
-                  </a:solidFill>
-                  <a:cs typeface="Segoe UI" panose="020B0502040204020203" pitchFamily="34" charset="0"/>
-                </a:rPr>
-                <a:t> in </a:t>
-              </a:r>
-              <a:r>
-                <a:rPr lang="en-US" sz="1600" dirty="0">
-                  <a:solidFill>
-                    <a:schemeClr val="tx1">
-                      <a:lumMod val="75000"/>
-                      <a:lumOff val="25000"/>
-                    </a:schemeClr>
-                  </a:solidFill>
-                  <a:cs typeface="Segoe UI" panose="020B0502040204020203" pitchFamily="34" charset="0"/>
-                </a:rPr>
-                <a:t>today</a:t>
-              </a:r>
-              <a:r>
-                <a:rPr lang="da-DK" sz="1600" dirty="0">
-                  <a:solidFill>
-                    <a:schemeClr val="tx1">
-                      <a:lumMod val="75000"/>
-                      <a:lumOff val="25000"/>
-                    </a:schemeClr>
-                  </a:solidFill>
-                  <a:cs typeface="Segoe UI" panose="020B0502040204020203" pitchFamily="34" charset="0"/>
-                </a:rPr>
-                <a:t>’s Internet</a:t>
+                <a:t>More secure network architecture</a:t>
               </a:r>
             </a:p>
             <a:p>
@@ -8402,69 +9284,7 @@
                   </a:solidFill>
                   <a:cs typeface="Segoe UI" panose="020B0502040204020203" pitchFamily="34" charset="0"/>
                 </a:rPr>
-                <a:t>Single connection</a:t>
-              </a:r>
-            </a:p>
-          </p:txBody>
-        </p:sp>
-        <p:sp>
-          <p:nvSpPr>
-            <p:cNvPr id="7" name="Rechteck 6">
-              <a:extLst>
-                <a:ext uri="{FF2B5EF4-FFF2-40B4-BE49-F238E27FC236}">
-                  <a16:creationId xmlns:a16="http://schemas.microsoft.com/office/drawing/2014/main" id="{2928435A-71C9-4072-9041-175B98B64988}"/>
-                </a:ext>
-              </a:extLst>
-            </p:cNvPr>
-            <p:cNvSpPr/>
-            <p:nvPr/>
-          </p:nvSpPr>
-          <p:spPr>
-            <a:xfrm>
-              <a:off x="881271" y="2628781"/>
-              <a:ext cx="4959090" cy="1600438"/>
-            </a:xfrm>
-            <a:prstGeom prst="rect">
-              <a:avLst/>
-            </a:prstGeom>
-          </p:spPr>
-          <p:txBody>
-            <a:bodyPr wrap="square" lIns="0" tIns="0" rIns="0" bIns="0" rtlCol="0" anchor="t">
-              <a:spAutoFit/>
-            </a:bodyPr>
-            <a:lstStyle/>
-            <a:p>
-              <a:pPr rtl="0">
-                <a:spcBef>
-                  <a:spcPts val="600"/>
-                </a:spcBef>
-                <a:buClr>
-                  <a:schemeClr val="tx2"/>
-                </a:buClr>
-              </a:pPr>
-              <a:r>
-                <a:rPr lang="en-US" sz="2000" b="1" dirty="0">
-                  <a:solidFill>
-                    <a:schemeClr val="tx1">
-                      <a:lumMod val="75000"/>
-                      <a:lumOff val="25000"/>
-                    </a:schemeClr>
-                  </a:solidFill>
-                  <a:cs typeface="Segoe UI" panose="020B0502040204020203" pitchFamily="34" charset="0"/>
-                </a:rPr>
-                <a:t>MPTCP </a:t>
-              </a:r>
-              <a:r>
-                <a:rPr lang="en-US" dirty="0">
-                  <a:solidFill>
-                    <a:schemeClr val="tx1">
-                      <a:lumMod val="75000"/>
-                      <a:lumOff val="25000"/>
-                    </a:schemeClr>
-                  </a:solidFill>
-                  <a:cs typeface="Segoe UI" panose="020B0502040204020203" pitchFamily="34" charset="0"/>
-                </a:rPr>
-                <a:t>(Multipath TCP)</a:t>
+                <a:t>Implements path transparency </a:t>
               </a:r>
             </a:p>
             <a:p>
@@ -8479,7 +9299,7 @@
                 <a:buChar char="›"/>
               </a:pPr>
               <a:r>
-                <a:rPr lang="en-US" sz="1600" dirty="0">
+                <a:rPr lang="da-DK" sz="1600" dirty="0">
                   <a:solidFill>
                     <a:schemeClr val="tx1">
                       <a:lumMod val="75000"/>
@@ -8488,20 +9308,8 @@
                   </a:solidFill>
                   <a:cs typeface="Segoe UI" panose="020B0502040204020203" pitchFamily="34" charset="0"/>
                 </a:rPr>
-                <a:t>Extension to TCP</a:t>
+                <a:t>Support for multiple paths</a:t>
               </a:r>
-            </a:p>
-            <a:p>
-              <a:pPr marL="171450" indent="-171450" rtl="0">
-                <a:spcBef>
-                  <a:spcPts val="600"/>
-                </a:spcBef>
-                <a:buClr>
-                  <a:schemeClr val="tx2"/>
-                </a:buClr>
-                <a:buFont typeface="Segoe UI Light" panose="020B0502040204020203" pitchFamily="34" charset="0"/>
-                <a:buChar char="›"/>
-              </a:pPr>
               <a:r>
                 <a:rPr lang="en-US" sz="1600" dirty="0">
                   <a:solidFill>
@@ -8512,294 +9320,12 @@
                   </a:solidFill>
                   <a:cs typeface="Segoe UI" panose="020B0502040204020203" pitchFamily="34" charset="0"/>
                 </a:rPr>
-                <a:t>Multiple flows per connection</a:t>
+                <a:t> </a:t>
               </a:r>
-            </a:p>
-            <a:p>
-              <a:pPr marL="171450" indent="-171450" rtl="0">
-                <a:spcBef>
-                  <a:spcPts val="600"/>
-                </a:spcBef>
-                <a:buClr>
-                  <a:schemeClr val="tx2"/>
-                </a:buClr>
-                <a:buFont typeface="Segoe UI Light" panose="020B0502040204020203" pitchFamily="34" charset="0"/>
-                <a:buChar char="›"/>
-              </a:pPr>
-              <a:r>
-                <a:rPr lang="en-US" sz="1600" dirty="0">
-                  <a:solidFill>
-                    <a:schemeClr val="tx1">
-                      <a:lumMod val="75000"/>
-                      <a:lumOff val="25000"/>
-                    </a:schemeClr>
-                  </a:solidFill>
-                  <a:cs typeface="Segoe UI" panose="020B0502040204020203" pitchFamily="34" charset="0"/>
-                </a:rPr>
-                <a:t>Usage of all available network interfaces</a:t>
-              </a:r>
-            </a:p>
-            <a:p>
-              <a:pPr marL="171450" indent="-171450" rtl="0">
-                <a:spcBef>
-                  <a:spcPts val="600"/>
-                </a:spcBef>
-                <a:buClr>
-                  <a:schemeClr val="tx2"/>
-                </a:buClr>
-                <a:buFont typeface="Segoe UI Light" panose="020B0502040204020203" pitchFamily="34" charset="0"/>
-                <a:buChar char="›"/>
-              </a:pPr>
-              <a:endParaRPr lang="en-US" sz="1600" dirty="0">
-                <a:solidFill>
-                  <a:schemeClr val="tx1">
-                    <a:lumMod val="75000"/>
-                    <a:lumOff val="25000"/>
-                  </a:schemeClr>
-                </a:solidFill>
-                <a:cs typeface="Segoe UI" panose="020B0502040204020203" pitchFamily="34" charset="0"/>
-              </a:endParaRPr>
             </a:p>
           </p:txBody>
         </p:sp>
       </p:grpSp>
-      <p:sp>
-        <p:nvSpPr>
-          <p:cNvPr id="9" name="Rechteck 8">
-            <a:extLst>
-              <a:ext uri="{FF2B5EF4-FFF2-40B4-BE49-F238E27FC236}">
-                <a16:creationId xmlns:a16="http://schemas.microsoft.com/office/drawing/2014/main" id="{82096EF9-5546-4591-9DA4-22BA0EEFE5C1}"/>
-              </a:ext>
-            </a:extLst>
-          </p:cNvPr>
-          <p:cNvSpPr/>
-          <p:nvPr/>
-        </p:nvSpPr>
-        <p:spPr>
-          <a:xfrm>
-            <a:off x="881270" y="4687575"/>
-            <a:ext cx="7224505" cy="1600438"/>
-          </a:xfrm>
-          <a:prstGeom prst="rect">
-            <a:avLst/>
-          </a:prstGeom>
-        </p:spPr>
-        <p:txBody>
-          <a:bodyPr wrap="square" lIns="0" tIns="0" rIns="0" bIns="0" rtlCol="0" anchor="t">
-            <a:spAutoFit/>
-          </a:bodyPr>
-          <a:lstStyle/>
-          <a:p>
-            <a:pPr rtl="0">
-              <a:spcBef>
-                <a:spcPts val="1200"/>
-              </a:spcBef>
-              <a:buClr>
-                <a:schemeClr val="tx2"/>
-              </a:buClr>
-            </a:pPr>
-            <a:r>
-              <a:rPr lang="en-US" sz="2000" b="1" dirty="0">
-                <a:solidFill>
-                  <a:schemeClr val="tx1">
-                    <a:lumMod val="75000"/>
-                    <a:lumOff val="25000"/>
-                  </a:schemeClr>
-                </a:solidFill>
-                <a:cs typeface="Segoe UI" panose="020B0502040204020203" pitchFamily="34" charset="0"/>
-              </a:rPr>
-              <a:t>SCION </a:t>
-            </a:r>
-            <a:r>
-              <a:rPr lang="en-US" dirty="0">
-                <a:solidFill>
-                  <a:schemeClr val="tx1">
-                    <a:lumMod val="75000"/>
-                    <a:lumOff val="25000"/>
-                  </a:schemeClr>
-                </a:solidFill>
-                <a:cs typeface="Segoe UI" panose="020B0502040204020203" pitchFamily="34" charset="0"/>
-              </a:rPr>
-              <a:t>(Scalability, Control and Isolation on next-generation networks)</a:t>
-            </a:r>
-            <a:endParaRPr lang="en-US" sz="2000" dirty="0">
-              <a:solidFill>
-                <a:schemeClr val="tx1">
-                  <a:lumMod val="75000"/>
-                  <a:lumOff val="25000"/>
-                </a:schemeClr>
-              </a:solidFill>
-              <a:cs typeface="Segoe UI" panose="020B0502040204020203" pitchFamily="34" charset="0"/>
-            </a:endParaRPr>
-          </a:p>
-          <a:p>
-            <a:pPr marL="171450" indent="-171450" rtl="0">
-              <a:spcBef>
-                <a:spcPts val="600"/>
-              </a:spcBef>
-              <a:buClr>
-                <a:schemeClr val="tx2"/>
-              </a:buClr>
-              <a:buFont typeface="Segoe UI Light" panose="020B0502040204020203" pitchFamily="34" charset="0"/>
-              <a:buChar char="›"/>
-            </a:pPr>
-            <a:r>
-              <a:rPr lang="en-US" sz="1600" dirty="0">
-                <a:solidFill>
-                  <a:schemeClr val="tx1">
-                    <a:lumMod val="75000"/>
-                    <a:lumOff val="25000"/>
-                  </a:schemeClr>
-                </a:solidFill>
-                <a:cs typeface="Segoe UI" panose="020B0502040204020203" pitchFamily="34" charset="0"/>
-              </a:rPr>
-              <a:t>More secure network architecture</a:t>
-            </a:r>
-          </a:p>
-          <a:p>
-            <a:pPr marL="171450" indent="-171450" rtl="0">
-              <a:spcBef>
-                <a:spcPts val="600"/>
-              </a:spcBef>
-              <a:buClr>
-                <a:schemeClr val="tx2"/>
-              </a:buClr>
-              <a:buFont typeface="Segoe UI Light" panose="020B0502040204020203" pitchFamily="34" charset="0"/>
-              <a:buChar char="›"/>
-            </a:pPr>
-            <a:r>
-              <a:rPr lang="en-US" sz="1600" dirty="0">
-                <a:solidFill>
-                  <a:schemeClr val="tx1">
-                    <a:lumMod val="75000"/>
-                    <a:lumOff val="25000"/>
-                  </a:schemeClr>
-                </a:solidFill>
-                <a:cs typeface="Segoe UI" panose="020B0502040204020203" pitchFamily="34" charset="0"/>
-              </a:rPr>
-              <a:t>Successor of today</a:t>
-            </a:r>
-            <a:r>
-              <a:rPr lang="da-DK" sz="1600" dirty="0">
-                <a:solidFill>
-                  <a:schemeClr val="tx1">
-                    <a:lumMod val="75000"/>
-                    <a:lumOff val="25000"/>
-                  </a:schemeClr>
-                </a:solidFill>
-                <a:cs typeface="Segoe UI" panose="020B0502040204020203" pitchFamily="34" charset="0"/>
-              </a:rPr>
-              <a:t>’s Internet (</a:t>
-            </a:r>
-            <a:r>
-              <a:rPr lang="en-US" sz="1600" dirty="0">
-                <a:solidFill>
-                  <a:schemeClr val="tx1">
-                    <a:lumMod val="75000"/>
-                    <a:lumOff val="25000"/>
-                  </a:schemeClr>
-                </a:solidFill>
-                <a:cs typeface="Segoe UI" panose="020B0502040204020203" pitchFamily="34" charset="0"/>
-              </a:rPr>
-              <a:t>hopefully</a:t>
-            </a:r>
-            <a:r>
-              <a:rPr lang="da-DK" sz="1600" dirty="0">
-                <a:solidFill>
-                  <a:schemeClr val="tx1">
-                    <a:lumMod val="75000"/>
-                    <a:lumOff val="25000"/>
-                  </a:schemeClr>
-                </a:solidFill>
-                <a:cs typeface="Segoe UI" panose="020B0502040204020203" pitchFamily="34" charset="0"/>
-              </a:rPr>
-              <a:t> </a:t>
-            </a:r>
-            <a:r>
-              <a:rPr lang="da-DK" sz="1600" dirty="0">
-                <a:solidFill>
-                  <a:schemeClr val="tx1">
-                    <a:lumMod val="75000"/>
-                    <a:lumOff val="25000"/>
-                  </a:schemeClr>
-                </a:solidFill>
-                <a:cs typeface="Segoe UI" panose="020B0502040204020203" pitchFamily="34" charset="0"/>
-                <a:sym typeface="Wingdings" panose="05000000000000000000" pitchFamily="2" charset="2"/>
-              </a:rPr>
-              <a:t>)</a:t>
-            </a:r>
-            <a:endParaRPr lang="da-DK" sz="1600" dirty="0">
-              <a:solidFill>
-                <a:schemeClr val="tx1">
-                  <a:lumMod val="75000"/>
-                  <a:lumOff val="25000"/>
-                </a:schemeClr>
-              </a:solidFill>
-              <a:cs typeface="Segoe UI" panose="020B0502040204020203" pitchFamily="34" charset="0"/>
-            </a:endParaRPr>
-          </a:p>
-          <a:p>
-            <a:pPr marL="171450" indent="-171450" rtl="0">
-              <a:spcBef>
-                <a:spcPts val="600"/>
-              </a:spcBef>
-              <a:buClr>
-                <a:schemeClr val="tx2"/>
-              </a:buClr>
-              <a:buFont typeface="Segoe UI Light" panose="020B0502040204020203" pitchFamily="34" charset="0"/>
-              <a:buChar char="›"/>
-            </a:pPr>
-            <a:r>
-              <a:rPr lang="da-DK" sz="1600" dirty="0">
-                <a:solidFill>
-                  <a:schemeClr val="tx1">
-                    <a:lumMod val="75000"/>
-                    <a:lumOff val="25000"/>
-                  </a:schemeClr>
-                </a:solidFill>
-                <a:cs typeface="Segoe UI" panose="020B0502040204020203" pitchFamily="34" charset="0"/>
-              </a:rPr>
-              <a:t>Implements path transparency </a:t>
-            </a:r>
-          </a:p>
-          <a:p>
-            <a:pPr marL="171450" indent="-171450" rtl="0">
-              <a:spcBef>
-                <a:spcPts val="600"/>
-              </a:spcBef>
-              <a:buClr>
-                <a:schemeClr val="tx2"/>
-              </a:buClr>
-              <a:buFont typeface="Segoe UI Light" panose="020B0502040204020203" pitchFamily="34" charset="0"/>
-              <a:buChar char="›"/>
-            </a:pPr>
-            <a:r>
-              <a:rPr lang="da-DK" sz="1600" dirty="0">
-                <a:solidFill>
-                  <a:schemeClr val="tx1">
-                    <a:lumMod val="75000"/>
-                    <a:lumOff val="25000"/>
-                  </a:schemeClr>
-                </a:solidFill>
-                <a:cs typeface="Segoe UI" panose="020B0502040204020203" pitchFamily="34" charset="0"/>
-              </a:rPr>
-              <a:t>Support for multiple paths</a:t>
-            </a:r>
-            <a:r>
-              <a:rPr lang="en-US" sz="1600" dirty="0">
-                <a:solidFill>
-                  <a:schemeClr val="tx1">
-                    <a:lumMod val="75000"/>
-                    <a:lumOff val="25000"/>
-                  </a:schemeClr>
-                </a:solidFill>
-                <a:cs typeface="Segoe UI" panose="020B0502040204020203" pitchFamily="34" charset="0"/>
-              </a:rPr>
-              <a:t> </a:t>
-            </a:r>
-          </a:p>
-        </p:txBody>
-      </p:sp>
       <p:sp>
         <p:nvSpPr>
           <p:cNvPr id="13" name="Foliennummernplatzhalter 12">
@@ -8830,6 +9356,78 @@
           </a:p>
         </p:txBody>
       </p:sp>
+      <p:pic>
+        <p:nvPicPr>
+          <p:cNvPr id="17" name="Grafik 16" descr="Ein Bild, das Uhr enthält.&#10;&#10;Automatisch generierte Beschreibung">
+            <a:extLst>
+              <a:ext uri="{FF2B5EF4-FFF2-40B4-BE49-F238E27FC236}">
+                <a16:creationId xmlns:a16="http://schemas.microsoft.com/office/drawing/2014/main" id="{29B6A9FF-8C7E-40E2-ADCC-CC0CE53C2478}"/>
+              </a:ext>
+            </a:extLst>
+          </p:cNvPr>
+          <p:cNvPicPr>
+            <a:picLocks noChangeAspect="1"/>
+          </p:cNvPicPr>
+          <p:nvPr/>
+        </p:nvPicPr>
+        <p:blipFill>
+          <a:blip r:embed="rId3">
+            <a:extLst>
+              <a:ext uri="{28A0092B-C50C-407E-A947-70E740481C1C}">
+                <a14:useLocalDpi xmlns:a14="http://schemas.microsoft.com/office/drawing/2010/main" val="0"/>
+              </a:ext>
+            </a:extLst>
+          </a:blip>
+          <a:stretch>
+            <a:fillRect/>
+          </a:stretch>
+        </p:blipFill>
+        <p:spPr>
+          <a:xfrm>
+            <a:off x="5706279" y="1672556"/>
+            <a:ext cx="5808642" cy="1538902"/>
+          </a:xfrm>
+          <a:prstGeom prst="rect">
+            <a:avLst/>
+          </a:prstGeom>
+        </p:spPr>
+      </p:pic>
+      <p:pic>
+        <p:nvPicPr>
+          <p:cNvPr id="19" name="Grafik 18">
+            <a:extLst>
+              <a:ext uri="{FF2B5EF4-FFF2-40B4-BE49-F238E27FC236}">
+                <a16:creationId xmlns:a16="http://schemas.microsoft.com/office/drawing/2014/main" id="{5A872565-A3D4-43DE-A3A2-13F6B8222A4E}"/>
+              </a:ext>
+            </a:extLst>
+          </p:cNvPr>
+          <p:cNvPicPr>
+            <a:picLocks noChangeAspect="1"/>
+          </p:cNvPicPr>
+          <p:nvPr/>
+        </p:nvPicPr>
+        <p:blipFill>
+          <a:blip r:embed="rId4">
+            <a:extLst>
+              <a:ext uri="{28A0092B-C50C-407E-A947-70E740481C1C}">
+                <a14:useLocalDpi xmlns:a14="http://schemas.microsoft.com/office/drawing/2010/main" val="0"/>
+              </a:ext>
+            </a:extLst>
+          </a:blip>
+          <a:stretch>
+            <a:fillRect/>
+          </a:stretch>
+        </p:blipFill>
+        <p:spPr>
+          <a:xfrm>
+            <a:off x="5706279" y="4262482"/>
+            <a:ext cx="5840995" cy="1540800"/>
+          </a:xfrm>
+          <a:prstGeom prst="rect">
+            <a:avLst/>
+          </a:prstGeom>
+        </p:spPr>
+      </p:pic>
     </p:spTree>
     <p:extLst>
       <p:ext uri="{BB962C8B-B14F-4D97-AF65-F5344CB8AC3E}">
@@ -8991,11 +9589,11 @@
           <a:p>
             <a:pPr algn="ctr" rtl="0"/>
             <a:r>
-              <a:rPr lang="en-US" sz="3200" b="1" dirty="0">
+              <a:rPr lang="en-US" sz="2200" dirty="0">
                 <a:solidFill>
-                  <a:schemeClr val="tx1">
-                    <a:lumMod val="75000"/>
-                    <a:lumOff val="25000"/>
+                  <a:schemeClr val="tx2">
+                    <a:lumMod val="60000"/>
+                    <a:lumOff val="40000"/>
                   </a:schemeClr>
                 </a:solidFill>
               </a:rPr>
@@ -9005,7 +9603,7 @@
           <a:p>
             <a:pPr algn="ctr" rtl="0"/>
             <a:r>
-              <a:rPr lang="en-US" sz="2200" dirty="0">
+              <a:rPr lang="en-US" sz="3200" b="1" dirty="0">
                 <a:solidFill>
                   <a:schemeClr val="tx1">
                     <a:lumMod val="75000"/>
@@ -9097,6 +9695,157 @@
           </a:p>
         </p:txBody>
       </p:sp>
+      <p:sp>
+        <p:nvSpPr>
+          <p:cNvPr id="6" name="Rechteck 5">
+            <a:extLst>
+              <a:ext uri="{FF2B5EF4-FFF2-40B4-BE49-F238E27FC236}">
+                <a16:creationId xmlns:a16="http://schemas.microsoft.com/office/drawing/2014/main" id="{6ECF6048-B024-4917-8EBA-3F4076AF56C6}"/>
+              </a:ext>
+            </a:extLst>
+          </p:cNvPr>
+          <p:cNvSpPr/>
+          <p:nvPr/>
+        </p:nvSpPr>
+        <p:spPr>
+          <a:xfrm>
+            <a:off x="881270" y="1610932"/>
+            <a:ext cx="10060000" cy="1354217"/>
+          </a:xfrm>
+          <a:prstGeom prst="rect">
+            <a:avLst/>
+          </a:prstGeom>
+        </p:spPr>
+        <p:txBody>
+          <a:bodyPr wrap="square" lIns="0" tIns="0" rIns="0" bIns="0" rtlCol="0" anchor="t">
+            <a:spAutoFit/>
+          </a:bodyPr>
+          <a:lstStyle/>
+          <a:p>
+            <a:pPr rtl="0">
+              <a:spcBef>
+                <a:spcPts val="600"/>
+              </a:spcBef>
+              <a:buClr>
+                <a:schemeClr val="tx2"/>
+              </a:buClr>
+            </a:pPr>
+            <a:r>
+              <a:rPr lang="en-US" sz="2200" dirty="0">
+                <a:solidFill>
+                  <a:schemeClr val="tx1">
+                    <a:lumMod val="75000"/>
+                    <a:lumOff val="25000"/>
+                  </a:schemeClr>
+                </a:solidFill>
+                <a:cs typeface="Segoe UI" panose="020B0502040204020203" pitchFamily="34" charset="0"/>
+              </a:rPr>
+              <a:t>Main objective and contribution of the presented work:</a:t>
+            </a:r>
+            <a:endParaRPr lang="en-US" sz="2200" b="1" dirty="0">
+              <a:solidFill>
+                <a:schemeClr val="tx1">
+                  <a:lumMod val="75000"/>
+                  <a:lumOff val="25000"/>
+                </a:schemeClr>
+              </a:solidFill>
+              <a:cs typeface="Segoe UI" panose="020B0502040204020203" pitchFamily="34" charset="0"/>
+            </a:endParaRPr>
+          </a:p>
+          <a:p>
+            <a:pPr rtl="0">
+              <a:spcBef>
+                <a:spcPts val="600"/>
+              </a:spcBef>
+              <a:buClr>
+                <a:schemeClr val="tx2"/>
+              </a:buClr>
+            </a:pPr>
+            <a:r>
+              <a:rPr lang="en-US" sz="2800" b="1" dirty="0">
+                <a:solidFill>
+                  <a:schemeClr val="tx1">
+                    <a:lumMod val="75000"/>
+                    <a:lumOff val="25000"/>
+                  </a:schemeClr>
+                </a:solidFill>
+                <a:cs typeface="Segoe UI" panose="020B0502040204020203" pitchFamily="34" charset="0"/>
+              </a:rPr>
+              <a:t>Implementation (and evaluation) of a shim layer that </a:t>
+            </a:r>
+          </a:p>
+          <a:p>
+            <a:pPr rtl="0">
+              <a:spcBef>
+                <a:spcPts val="600"/>
+              </a:spcBef>
+              <a:buClr>
+                <a:schemeClr val="tx2"/>
+              </a:buClr>
+            </a:pPr>
+            <a:r>
+              <a:rPr lang="en-US" sz="2800" b="1" dirty="0">
+                <a:solidFill>
+                  <a:schemeClr val="tx1">
+                    <a:lumMod val="75000"/>
+                    <a:lumOff val="25000"/>
+                  </a:schemeClr>
+                </a:solidFill>
+                <a:cs typeface="Segoe UI" panose="020B0502040204020203" pitchFamily="34" charset="0"/>
+              </a:rPr>
+              <a:t>allows the usage of MPTCP over SCION</a:t>
+            </a:r>
+            <a:r>
+              <a:rPr lang="en-US" sz="2400" b="1" dirty="0">
+                <a:solidFill>
+                  <a:schemeClr val="tx1">
+                    <a:lumMod val="75000"/>
+                    <a:lumOff val="25000"/>
+                  </a:schemeClr>
+                </a:solidFill>
+                <a:cs typeface="Segoe UI" panose="020B0502040204020203" pitchFamily="34" charset="0"/>
+              </a:rPr>
+              <a:t>.</a:t>
+            </a:r>
+          </a:p>
+        </p:txBody>
+      </p:sp>
+      <p:pic>
+        <p:nvPicPr>
+          <p:cNvPr id="9" name="Grafik 8">
+            <a:extLst>
+              <a:ext uri="{FF2B5EF4-FFF2-40B4-BE49-F238E27FC236}">
+                <a16:creationId xmlns:a16="http://schemas.microsoft.com/office/drawing/2014/main" id="{45C38F27-B98D-4D53-B0E0-EF1E0E5141F2}"/>
+              </a:ext>
+            </a:extLst>
+          </p:cNvPr>
+          <p:cNvPicPr>
+            <a:picLocks noChangeAspect="1"/>
+          </p:cNvPicPr>
+          <p:nvPr/>
+        </p:nvPicPr>
+        <p:blipFill>
+          <a:blip r:embed="rId3">
+            <a:extLst>
+              <a:ext uri="{28A0092B-C50C-407E-A947-70E740481C1C}">
+                <a14:useLocalDpi xmlns:a14="http://schemas.microsoft.com/office/drawing/2010/main" val="0"/>
+              </a:ext>
+            </a:extLst>
+          </a:blip>
+          <a:stretch>
+            <a:fillRect/>
+          </a:stretch>
+        </p:blipFill>
+        <p:spPr>
+          <a:xfrm>
+            <a:off x="952334" y="3302873"/>
+            <a:ext cx="9196553" cy="2445454"/>
+          </a:xfrm>
+          <a:prstGeom prst="rect">
+            <a:avLst/>
+          </a:prstGeom>
+        </p:spPr>
+      </p:pic>
     </p:spTree>
     <p:extLst>
       <p:ext uri="{BB962C8B-B14F-4D97-AF65-F5344CB8AC3E}">
@@ -9258,11 +10007,11 @@
           <a:p>
             <a:pPr algn="ctr" rtl="0"/>
             <a:r>
-              <a:rPr lang="en-US" sz="3200" b="1" dirty="0">
+              <a:rPr lang="en-US" sz="2200" dirty="0">
                 <a:solidFill>
-                  <a:schemeClr val="tx1">
-                    <a:lumMod val="75000"/>
-                    <a:lumOff val="25000"/>
+                  <a:schemeClr val="tx2">
+                    <a:lumMod val="60000"/>
+                    <a:lumOff val="40000"/>
                   </a:schemeClr>
                 </a:solidFill>
               </a:rPr>
@@ -9272,7 +10021,7 @@
           <a:p>
             <a:pPr algn="ctr" rtl="0"/>
             <a:r>
-              <a:rPr lang="en-US" sz="2200" dirty="0">
+              <a:rPr lang="en-US" sz="3200" b="1" dirty="0">
                 <a:solidFill>
                   <a:schemeClr val="tx1">
                     <a:lumMod val="75000"/>
@@ -9282,6 +10031,14 @@
               </a:rPr>
               <a:t>Why?</a:t>
             </a:r>
+            <a:endParaRPr lang="en-US" sz="2200" dirty="0">
+              <a:solidFill>
+                <a:schemeClr val="tx1">
+                  <a:lumMod val="75000"/>
+                  <a:lumOff val="25000"/>
+                </a:schemeClr>
+              </a:solidFill>
+            </a:endParaRPr>
           </a:p>
         </p:txBody>
       </p:sp>
@@ -9361,6 +10118,228 @@
               <a:t>5</a:t>
             </a:fld>
             <a:endParaRPr lang="de-DE" noProof="0" dirty="0"/>
+          </a:p>
+        </p:txBody>
+      </p:sp>
+      <p:sp>
+        <p:nvSpPr>
+          <p:cNvPr id="5" name="Rechteck 4">
+            <a:extLst>
+              <a:ext uri="{FF2B5EF4-FFF2-40B4-BE49-F238E27FC236}">
+                <a16:creationId xmlns:a16="http://schemas.microsoft.com/office/drawing/2014/main" id="{4EE899E6-37D8-40B2-A6B5-5C7C9859509D}"/>
+              </a:ext>
+            </a:extLst>
+          </p:cNvPr>
+          <p:cNvSpPr/>
+          <p:nvPr/>
+        </p:nvSpPr>
+        <p:spPr>
+          <a:xfrm>
+            <a:off x="881268" y="2229155"/>
+            <a:ext cx="7611089" cy="630942"/>
+          </a:xfrm>
+          <a:prstGeom prst="rect">
+            <a:avLst/>
+          </a:prstGeom>
+        </p:spPr>
+        <p:txBody>
+          <a:bodyPr wrap="square" lIns="0" tIns="0" rIns="0" bIns="0" rtlCol="0" anchor="t">
+            <a:spAutoFit/>
+          </a:bodyPr>
+          <a:lstStyle/>
+          <a:p>
+            <a:pPr rtl="0">
+              <a:spcBef>
+                <a:spcPts val="600"/>
+              </a:spcBef>
+              <a:buClr>
+                <a:schemeClr val="tx2"/>
+              </a:buClr>
+            </a:pPr>
+            <a:r>
+              <a:rPr lang="en-US" sz="2000" b="1" dirty="0">
+                <a:solidFill>
+                  <a:schemeClr val="tx1">
+                    <a:lumMod val="75000"/>
+                    <a:lumOff val="25000"/>
+                  </a:schemeClr>
+                </a:solidFill>
+                <a:cs typeface="Segoe UI" panose="020B0502040204020203" pitchFamily="34" charset="0"/>
+              </a:rPr>
+              <a:t>Facilitates promotion and development of SCION</a:t>
+            </a:r>
+          </a:p>
+          <a:p>
+            <a:pPr marL="171450" indent="-171450" rtl="0">
+              <a:spcBef>
+                <a:spcPts val="600"/>
+              </a:spcBef>
+              <a:buClr>
+                <a:schemeClr val="tx2"/>
+              </a:buClr>
+              <a:buFont typeface="Segoe UI Light" panose="020B0502040204020203" pitchFamily="34" charset="0"/>
+              <a:buChar char="›"/>
+            </a:pPr>
+            <a:r>
+              <a:rPr lang="da-DK" sz="1600" dirty="0">
+                <a:solidFill>
+                  <a:schemeClr val="tx1">
+                    <a:lumMod val="75000"/>
+                    <a:lumOff val="25000"/>
+                  </a:schemeClr>
+                </a:solidFill>
+                <a:cs typeface="Segoe UI" panose="020B0502040204020203" pitchFamily="34" charset="0"/>
+              </a:rPr>
+              <a:t>Straightforward use TCP applications over SCION</a:t>
+            </a:r>
+          </a:p>
+        </p:txBody>
+      </p:sp>
+      <p:sp>
+        <p:nvSpPr>
+          <p:cNvPr id="6" name="Rechteck 5">
+            <a:extLst>
+              <a:ext uri="{FF2B5EF4-FFF2-40B4-BE49-F238E27FC236}">
+                <a16:creationId xmlns:a16="http://schemas.microsoft.com/office/drawing/2014/main" id="{B4C2C7FA-9B3F-4D7C-98C8-3E93D0A01EF2}"/>
+              </a:ext>
+            </a:extLst>
+          </p:cNvPr>
+          <p:cNvSpPr/>
+          <p:nvPr/>
+        </p:nvSpPr>
+        <p:spPr>
+          <a:xfrm>
+            <a:off x="881268" y="3331902"/>
+            <a:ext cx="7611089" cy="630942"/>
+          </a:xfrm>
+          <a:prstGeom prst="rect">
+            <a:avLst/>
+          </a:prstGeom>
+        </p:spPr>
+        <p:txBody>
+          <a:bodyPr wrap="square" lIns="0" tIns="0" rIns="0" bIns="0" rtlCol="0" anchor="t">
+            <a:spAutoFit/>
+          </a:bodyPr>
+          <a:lstStyle/>
+          <a:p>
+            <a:pPr rtl="0">
+              <a:spcBef>
+                <a:spcPts val="600"/>
+              </a:spcBef>
+              <a:buClr>
+                <a:schemeClr val="tx2"/>
+              </a:buClr>
+            </a:pPr>
+            <a:r>
+              <a:rPr lang="en-US" sz="2000" b="1" dirty="0">
+                <a:solidFill>
+                  <a:schemeClr val="tx1">
+                    <a:lumMod val="75000"/>
+                    <a:lumOff val="25000"/>
+                  </a:schemeClr>
+                </a:solidFill>
+                <a:cs typeface="Segoe UI" panose="020B0502040204020203" pitchFamily="34" charset="0"/>
+              </a:rPr>
+              <a:t>Benefit for endpoints with MPTCP support </a:t>
+            </a:r>
+          </a:p>
+          <a:p>
+            <a:pPr marL="171450" indent="-171450" rtl="0">
+              <a:spcBef>
+                <a:spcPts val="600"/>
+              </a:spcBef>
+              <a:buClr>
+                <a:schemeClr val="tx2"/>
+              </a:buClr>
+              <a:buFont typeface="Segoe UI Light" panose="020B0502040204020203" pitchFamily="34" charset="0"/>
+              <a:buChar char="›"/>
+            </a:pPr>
+            <a:r>
+              <a:rPr lang="da-DK" sz="1600" dirty="0">
+                <a:solidFill>
+                  <a:schemeClr val="tx1">
+                    <a:lumMod val="75000"/>
+                    <a:lumOff val="25000"/>
+                  </a:schemeClr>
+                </a:solidFill>
+                <a:cs typeface="Segoe UI" panose="020B0502040204020203" pitchFamily="34" charset="0"/>
+              </a:rPr>
+              <a:t>Increase of redundancy thanks to multiple paths</a:t>
+            </a:r>
+          </a:p>
+        </p:txBody>
+      </p:sp>
+      <p:sp>
+        <p:nvSpPr>
+          <p:cNvPr id="7" name="Rechteck 6">
+            <a:extLst>
+              <a:ext uri="{FF2B5EF4-FFF2-40B4-BE49-F238E27FC236}">
+                <a16:creationId xmlns:a16="http://schemas.microsoft.com/office/drawing/2014/main" id="{BDDE9265-C3B4-4ECF-B064-6BC149EE90F7}"/>
+              </a:ext>
+            </a:extLst>
+          </p:cNvPr>
+          <p:cNvSpPr/>
+          <p:nvPr/>
+        </p:nvSpPr>
+        <p:spPr>
+          <a:xfrm>
+            <a:off x="881267" y="4434649"/>
+            <a:ext cx="7611089" cy="630942"/>
+          </a:xfrm>
+          <a:prstGeom prst="rect">
+            <a:avLst/>
+          </a:prstGeom>
+        </p:spPr>
+        <p:txBody>
+          <a:bodyPr wrap="square" lIns="0" tIns="0" rIns="0" bIns="0" rtlCol="0" anchor="t">
+            <a:spAutoFit/>
+          </a:bodyPr>
+          <a:lstStyle/>
+          <a:p>
+            <a:pPr rtl="0">
+              <a:spcBef>
+                <a:spcPts val="600"/>
+              </a:spcBef>
+              <a:buClr>
+                <a:schemeClr val="tx2"/>
+              </a:buClr>
+            </a:pPr>
+            <a:r>
+              <a:rPr lang="en-US" sz="2000" b="1" dirty="0">
+                <a:solidFill>
+                  <a:schemeClr val="tx1">
+                    <a:lumMod val="75000"/>
+                    <a:lumOff val="25000"/>
+                  </a:schemeClr>
+                </a:solidFill>
+                <a:cs typeface="Segoe UI" panose="020B0502040204020203" pitchFamily="34" charset="0"/>
+              </a:rPr>
+              <a:t>Potential through mediating role of Shila in between</a:t>
+            </a:r>
+          </a:p>
+          <a:p>
+            <a:pPr marL="171450" indent="-171450" rtl="0">
+              <a:spcBef>
+                <a:spcPts val="600"/>
+              </a:spcBef>
+              <a:buClr>
+                <a:schemeClr val="tx2"/>
+              </a:buClr>
+              <a:buFont typeface="Segoe UI Light" panose="020B0502040204020203" pitchFamily="34" charset="0"/>
+              <a:buChar char="›"/>
+            </a:pPr>
+            <a:r>
+              <a:rPr lang="da-DK" sz="1600" dirty="0">
+                <a:solidFill>
+                  <a:schemeClr val="tx1">
+                    <a:lumMod val="75000"/>
+                    <a:lumOff val="25000"/>
+                  </a:schemeClr>
+                </a:solidFill>
+                <a:cs typeface="Segoe UI" panose="020B0502040204020203" pitchFamily="34" charset="0"/>
+              </a:rPr>
+              <a:t>Shila is aware and under control of paths used through SCION</a:t>
+            </a:r>
           </a:p>
         </p:txBody>
       </p:sp>

--- a/presentation/presentation.pptx
+++ b/presentation/presentation.pptx
@@ -1418,13 +1418,8 @@
             </a:r>
             <a:r>
               <a:rPr lang="de-DE" dirty="0"/>
-              <a:t> </a:t>
+              <a:t> „Shila“</a:t>
             </a:r>
-            <a:r>
-              <a:rPr lang="de-DE"/>
-              <a:t>„Shila“</a:t>
-            </a:r>
-            <a:endParaRPr lang="de-DE" dirty="0"/>
           </a:p>
         </p:txBody>
       </p:sp>
@@ -9358,10 +9353,10 @@
       </p:sp>
       <p:pic>
         <p:nvPicPr>
-          <p:cNvPr id="17" name="Grafik 16" descr="Ein Bild, das Uhr enthält.&#10;&#10;Automatisch generierte Beschreibung">
+          <p:cNvPr id="21" name="Grafik 20" descr="Ein Bild, das Uhr enthält.&#10;&#10;Automatisch generierte Beschreibung">
             <a:extLst>
               <a:ext uri="{FF2B5EF4-FFF2-40B4-BE49-F238E27FC236}">
-                <a16:creationId xmlns:a16="http://schemas.microsoft.com/office/drawing/2014/main" id="{29B6A9FF-8C7E-40E2-ADCC-CC0CE53C2478}"/>
+                <a16:creationId xmlns:a16="http://schemas.microsoft.com/office/drawing/2014/main" id="{41D3DD85-21ED-46CF-BE4B-A2D632C38579}"/>
               </a:ext>
             </a:extLst>
           </p:cNvPr>
@@ -9384,8 +9379,8 @@
         </p:blipFill>
         <p:spPr>
           <a:xfrm>
-            <a:off x="5706279" y="1672556"/>
-            <a:ext cx="5808642" cy="1538902"/>
+            <a:off x="5840360" y="1761805"/>
+            <a:ext cx="5815805" cy="1540800"/>
           </a:xfrm>
           <a:prstGeom prst="rect">
             <a:avLst/>
@@ -9394,10 +9389,10 @@
       </p:pic>
       <p:pic>
         <p:nvPicPr>
-          <p:cNvPr id="19" name="Grafik 18">
+          <p:cNvPr id="28" name="Grafik 27">
             <a:extLst>
               <a:ext uri="{FF2B5EF4-FFF2-40B4-BE49-F238E27FC236}">
-                <a16:creationId xmlns:a16="http://schemas.microsoft.com/office/drawing/2014/main" id="{5A872565-A3D4-43DE-A3A2-13F6B8222A4E}"/>
+                <a16:creationId xmlns:a16="http://schemas.microsoft.com/office/drawing/2014/main" id="{1D4FBE38-4FFC-4E35-8A91-3D05250E3070}"/>
               </a:ext>
             </a:extLst>
           </p:cNvPr>
@@ -9420,7 +9415,7 @@
         </p:blipFill>
         <p:spPr>
           <a:xfrm>
-            <a:off x="5706279" y="4262482"/>
+            <a:off x="5840360" y="4354582"/>
             <a:ext cx="5840995" cy="1540800"/>
           </a:xfrm>
           <a:prstGeom prst="rect">
@@ -9812,10 +9807,10 @@
       </p:sp>
       <p:pic>
         <p:nvPicPr>
-          <p:cNvPr id="9" name="Grafik 8">
+          <p:cNvPr id="18" name="Grafik 17">
             <a:extLst>
               <a:ext uri="{FF2B5EF4-FFF2-40B4-BE49-F238E27FC236}">
-                <a16:creationId xmlns:a16="http://schemas.microsoft.com/office/drawing/2014/main" id="{45C38F27-B98D-4D53-B0E0-EF1E0E5141F2}"/>
+                <a16:creationId xmlns:a16="http://schemas.microsoft.com/office/drawing/2014/main" id="{B94F965D-8019-4172-9F78-2AF1C7C0980E}"/>
               </a:ext>
             </a:extLst>
           </p:cNvPr>
@@ -9838,8 +9833,8 @@
         </p:blipFill>
         <p:spPr>
           <a:xfrm>
-            <a:off x="952334" y="3302873"/>
-            <a:ext cx="9196553" cy="2445454"/>
+            <a:off x="614515" y="3879175"/>
+            <a:ext cx="10962970" cy="1540800"/>
           </a:xfrm>
           <a:prstGeom prst="rect">
             <a:avLst/>
